--- a/images/Capstone extra.pptx
+++ b/images/Capstone extra.pptx
@@ -8,12 +8,13 @@
   </p:sldMasterIdLst>
   <p:sldIdLst>
     <p:sldId id="256" r:id="rId4"/>
-    <p:sldId id="279" r:id="rId5"/>
-    <p:sldId id="275" r:id="rId6"/>
-    <p:sldId id="264" r:id="rId7"/>
-    <p:sldId id="272" r:id="rId8"/>
-    <p:sldId id="273" r:id="rId9"/>
-    <p:sldId id="283" r:id="rId10"/>
+    <p:sldId id="294" r:id="rId5"/>
+    <p:sldId id="279" r:id="rId6"/>
+    <p:sldId id="275" r:id="rId7"/>
+    <p:sldId id="264" r:id="rId8"/>
+    <p:sldId id="272" r:id="rId9"/>
+    <p:sldId id="273" r:id="rId10"/>
+    <p:sldId id="283" r:id="rId11"/>
   </p:sldIdLst>
   <p:sldSz cx="12192000" cy="6858000"/>
   <p:notesSz cx="6858000" cy="9144000"/>
@@ -112,6 +113,11 @@
       </a:defRPr>
     </a:lvl9pPr>
   </p:defaultTextStyle>
+  <p:extLst>
+    <p:ext uri="{EFAFB233-063F-42B5-8137-9DF3F51BA10A}">
+      <p15:sldGuideLst xmlns:p15="http://schemas.microsoft.com/office/powerpoint/2012/main"/>
+    </p:ext>
+  </p:extLst>
 </p:presentation>
 </file>
 
@@ -262,7 +268,7 @@
           <a:p>
             <a:fld id="{BE11CC1C-6C5E-4DAB-8B53-615825EEC554}" type="datetimeFigureOut">
               <a:rPr lang="en-US" smtClean="0"/>
-              <a:t>6/19/2020</a:t>
+              <a:t>6/22/2020</a:t>
             </a:fld>
             <a:endParaRPr lang="en-US"/>
           </a:p>
@@ -460,7 +466,7 @@
           <a:p>
             <a:fld id="{BE11CC1C-6C5E-4DAB-8B53-615825EEC554}" type="datetimeFigureOut">
               <a:rPr lang="en-US" smtClean="0"/>
-              <a:t>6/19/2020</a:t>
+              <a:t>6/22/2020</a:t>
             </a:fld>
             <a:endParaRPr lang="en-US"/>
           </a:p>
@@ -668,7 +674,7 @@
           <a:p>
             <a:fld id="{BE11CC1C-6C5E-4DAB-8B53-615825EEC554}" type="datetimeFigureOut">
               <a:rPr lang="en-US" smtClean="0"/>
-              <a:t>6/19/2020</a:t>
+              <a:t>6/22/2020</a:t>
             </a:fld>
             <a:endParaRPr lang="en-US"/>
           </a:p>
@@ -1210,7 +1216,7 @@
           <a:p>
             <a:fld id="{EA0C0817-A112-4847-8014-A94B7D2A4EA3}" type="datetime1">
               <a:rPr lang="en-US" smtClean="0"/>
-              <a:t>6/19/2020</a:t>
+              <a:t>6/22/2020</a:t>
             </a:fld>
             <a:endParaRPr lang="en-US" dirty="0"/>
           </a:p>
@@ -1412,7 +1418,7 @@
           <a:p>
             <a:fld id="{7332B432-ACDA-4023-A761-2BAB76577B62}" type="datetime1">
               <a:rPr lang="en-US" smtClean="0"/>
-              <a:t>6/19/2020</a:t>
+              <a:t>6/22/2020</a:t>
             </a:fld>
             <a:endParaRPr lang="en-US" dirty="0"/>
           </a:p>
@@ -2011,7 +2017,7 @@
           <a:p>
             <a:fld id="{D9C646AA-F36E-4540-911D-FFFC0A0EF24A}" type="datetime1">
               <a:rPr lang="en-US" smtClean="0"/>
-              <a:t>6/19/2020</a:t>
+              <a:t>6/22/2020</a:t>
             </a:fld>
             <a:endParaRPr lang="en-US" dirty="0"/>
           </a:p>
@@ -2331,7 +2337,7 @@
           <a:p>
             <a:fld id="{69186D26-FA5F-4637-B602-B7C2DC34CFD4}" type="datetime1">
               <a:rPr lang="en-US" smtClean="0"/>
-              <a:t>6/19/2020</a:t>
+              <a:t>6/22/2020</a:t>
             </a:fld>
             <a:endParaRPr lang="en-US" dirty="0"/>
           </a:p>
@@ -2768,7 +2774,7 @@
           <a:p>
             <a:fld id="{8A7F15D8-96D1-4781-BC50-CA8A088B2FE4}" type="datetime1">
               <a:rPr lang="en-US" smtClean="0"/>
-              <a:t>6/19/2020</a:t>
+              <a:t>6/22/2020</a:t>
             </a:fld>
             <a:endParaRPr lang="en-US" dirty="0"/>
           </a:p>
@@ -2886,7 +2892,7 @@
           <a:p>
             <a:fld id="{F9A96C99-B8F8-4528-BD05-0E16E943DC09}" type="datetime1">
               <a:rPr lang="en-US" smtClean="0"/>
-              <a:t>6/19/2020</a:t>
+              <a:t>6/22/2020</a:t>
             </a:fld>
             <a:endParaRPr lang="en-US" dirty="0"/>
           </a:p>
@@ -2981,7 +2987,7 @@
           <a:p>
             <a:fld id="{03636942-C211-4B28-8DBD-C953E00AF71B}" type="datetime1">
               <a:rPr lang="en-US" smtClean="0"/>
-              <a:t>6/19/2020</a:t>
+              <a:t>6/22/2020</a:t>
             </a:fld>
             <a:endParaRPr lang="en-US" dirty="0"/>
           </a:p>
@@ -3398,7 +3404,7 @@
           <a:p>
             <a:fld id="{7E8D12A6-918A-48BD-8CB9-CA713993B0EA}" type="datetime1">
               <a:rPr lang="en-US" smtClean="0"/>
-              <a:t>6/19/2020</a:t>
+              <a:t>6/22/2020</a:t>
             </a:fld>
             <a:endParaRPr lang="en-US" dirty="0"/>
           </a:p>
@@ -3609,7 +3615,7 @@
           <a:p>
             <a:fld id="{BE11CC1C-6C5E-4DAB-8B53-615825EEC554}" type="datetimeFigureOut">
               <a:rPr lang="en-US" smtClean="0"/>
-              <a:t>6/19/2020</a:t>
+              <a:t>6/22/2020</a:t>
             </a:fld>
             <a:endParaRPr lang="en-US"/>
           </a:p>
@@ -3858,7 +3864,7 @@
             <a:fld id="{E778CE86-875F-4587-BCF6-FA054AFC0D53}" type="datetime1">
               <a:rPr lang="en-US" smtClean="0"/>
               <a:pPr/>
-              <a:t>6/19/2020</a:t>
+              <a:t>6/22/2020</a:t>
             </a:fld>
             <a:endParaRPr lang="en-US" dirty="0"/>
           </a:p>
@@ -4262,7 +4268,7 @@
           <a:p>
             <a:fld id="{EED1C14C-A143-42F5-B247-D0E800131009}" type="datetimeFigureOut">
               <a:rPr lang="en-US" smtClean="0"/>
-              <a:t>6/19/2020</a:t>
+              <a:t>6/22/2020</a:t>
             </a:fld>
             <a:endParaRPr lang="en-US"/>
           </a:p>
@@ -4460,7 +4466,7 @@
           <a:p>
             <a:fld id="{EED1C14C-A143-42F5-B247-D0E800131009}" type="datetimeFigureOut">
               <a:rPr lang="en-US" smtClean="0"/>
-              <a:t>6/19/2020</a:t>
+              <a:t>6/22/2020</a:t>
             </a:fld>
             <a:endParaRPr lang="en-US"/>
           </a:p>
@@ -4735,7 +4741,7 @@
           <a:p>
             <a:fld id="{EED1C14C-A143-42F5-B247-D0E800131009}" type="datetimeFigureOut">
               <a:rPr lang="en-US" smtClean="0"/>
-              <a:t>6/19/2020</a:t>
+              <a:t>6/22/2020</a:t>
             </a:fld>
             <a:endParaRPr lang="en-US"/>
           </a:p>
@@ -5000,7 +5006,7 @@
           <a:p>
             <a:fld id="{EED1C14C-A143-42F5-B247-D0E800131009}" type="datetimeFigureOut">
               <a:rPr lang="en-US" smtClean="0"/>
-              <a:t>6/19/2020</a:t>
+              <a:t>6/22/2020</a:t>
             </a:fld>
             <a:endParaRPr lang="en-US"/>
           </a:p>
@@ -5412,7 +5418,7 @@
           <a:p>
             <a:fld id="{EED1C14C-A143-42F5-B247-D0E800131009}" type="datetimeFigureOut">
               <a:rPr lang="en-US" smtClean="0"/>
-              <a:t>6/19/2020</a:t>
+              <a:t>6/22/2020</a:t>
             </a:fld>
             <a:endParaRPr lang="en-US"/>
           </a:p>
@@ -5553,7 +5559,7 @@
           <a:p>
             <a:fld id="{EED1C14C-A143-42F5-B247-D0E800131009}" type="datetimeFigureOut">
               <a:rPr lang="en-US" smtClean="0"/>
-              <a:t>6/19/2020</a:t>
+              <a:t>6/22/2020</a:t>
             </a:fld>
             <a:endParaRPr lang="en-US"/>
           </a:p>
@@ -5666,7 +5672,7 @@
           <a:p>
             <a:fld id="{EED1C14C-A143-42F5-B247-D0E800131009}" type="datetimeFigureOut">
               <a:rPr lang="en-US" smtClean="0"/>
-              <a:t>6/19/2020</a:t>
+              <a:t>6/22/2020</a:t>
             </a:fld>
             <a:endParaRPr lang="en-US"/>
           </a:p>
@@ -5977,7 +5983,7 @@
           <a:p>
             <a:fld id="{EED1C14C-A143-42F5-B247-D0E800131009}" type="datetimeFigureOut">
               <a:rPr lang="en-US" smtClean="0"/>
-              <a:t>6/19/2020</a:t>
+              <a:t>6/22/2020</a:t>
             </a:fld>
             <a:endParaRPr lang="en-US"/>
           </a:p>
@@ -6265,7 +6271,7 @@
           <a:p>
             <a:fld id="{EED1C14C-A143-42F5-B247-D0E800131009}" type="datetimeFigureOut">
               <a:rPr lang="en-US" smtClean="0"/>
-              <a:t>6/19/2020</a:t>
+              <a:t>6/22/2020</a:t>
             </a:fld>
             <a:endParaRPr lang="en-US"/>
           </a:p>
@@ -6540,7 +6546,7 @@
           <a:p>
             <a:fld id="{BE11CC1C-6C5E-4DAB-8B53-615825EEC554}" type="datetimeFigureOut">
               <a:rPr lang="en-US" smtClean="0"/>
-              <a:t>6/19/2020</a:t>
+              <a:t>6/22/2020</a:t>
             </a:fld>
             <a:endParaRPr lang="en-US"/>
           </a:p>
@@ -6738,7 +6744,7 @@
           <a:p>
             <a:fld id="{EED1C14C-A143-42F5-B247-D0E800131009}" type="datetimeFigureOut">
               <a:rPr lang="en-US" smtClean="0"/>
-              <a:t>6/19/2020</a:t>
+              <a:t>6/22/2020</a:t>
             </a:fld>
             <a:endParaRPr lang="en-US"/>
           </a:p>
@@ -6946,7 +6952,7 @@
           <a:p>
             <a:fld id="{EED1C14C-A143-42F5-B247-D0E800131009}" type="datetimeFigureOut">
               <a:rPr lang="en-US" smtClean="0"/>
-              <a:t>6/19/2020</a:t>
+              <a:t>6/22/2020</a:t>
             </a:fld>
             <a:endParaRPr lang="en-US"/>
           </a:p>
@@ -7211,7 +7217,7 @@
           <a:p>
             <a:fld id="{BE11CC1C-6C5E-4DAB-8B53-615825EEC554}" type="datetimeFigureOut">
               <a:rPr lang="en-US" smtClean="0"/>
-              <a:t>6/19/2020</a:t>
+              <a:t>6/22/2020</a:t>
             </a:fld>
             <a:endParaRPr lang="en-US"/>
           </a:p>
@@ -7623,7 +7629,7 @@
           <a:p>
             <a:fld id="{BE11CC1C-6C5E-4DAB-8B53-615825EEC554}" type="datetimeFigureOut">
               <a:rPr lang="en-US" smtClean="0"/>
-              <a:t>6/19/2020</a:t>
+              <a:t>6/22/2020</a:t>
             </a:fld>
             <a:endParaRPr lang="en-US"/>
           </a:p>
@@ -7764,7 +7770,7 @@
           <a:p>
             <a:fld id="{BE11CC1C-6C5E-4DAB-8B53-615825EEC554}" type="datetimeFigureOut">
               <a:rPr lang="en-US" smtClean="0"/>
-              <a:t>6/19/2020</a:t>
+              <a:t>6/22/2020</a:t>
             </a:fld>
             <a:endParaRPr lang="en-US"/>
           </a:p>
@@ -7877,7 +7883,7 @@
           <a:p>
             <a:fld id="{BE11CC1C-6C5E-4DAB-8B53-615825EEC554}" type="datetimeFigureOut">
               <a:rPr lang="en-US" smtClean="0"/>
-              <a:t>6/19/2020</a:t>
+              <a:t>6/22/2020</a:t>
             </a:fld>
             <a:endParaRPr lang="en-US"/>
           </a:p>
@@ -8188,7 +8194,7 @@
           <a:p>
             <a:fld id="{BE11CC1C-6C5E-4DAB-8B53-615825EEC554}" type="datetimeFigureOut">
               <a:rPr lang="en-US" smtClean="0"/>
-              <a:t>6/19/2020</a:t>
+              <a:t>6/22/2020</a:t>
             </a:fld>
             <a:endParaRPr lang="en-US"/>
           </a:p>
@@ -8476,7 +8482,7 @@
           <a:p>
             <a:fld id="{BE11CC1C-6C5E-4DAB-8B53-615825EEC554}" type="datetimeFigureOut">
               <a:rPr lang="en-US" smtClean="0"/>
-              <a:t>6/19/2020</a:t>
+              <a:t>6/22/2020</a:t>
             </a:fld>
             <a:endParaRPr lang="en-US"/>
           </a:p>
@@ -8717,7 +8723,7 @@
           <a:p>
             <a:fld id="{BE11CC1C-6C5E-4DAB-8B53-615825EEC554}" type="datetimeFigureOut">
               <a:rPr lang="en-US" smtClean="0"/>
-              <a:t>6/19/2020</a:t>
+              <a:t>6/22/2020</a:t>
             </a:fld>
             <a:endParaRPr lang="en-US"/>
           </a:p>
@@ -9376,7 +9382,7 @@
           <a:p>
             <a:fld id="{F6FA2B21-3FCD-4721-B95C-427943F61125}" type="datetime1">
               <a:rPr lang="en-US" smtClean="0"/>
-              <a:t>6/19/2020</a:t>
+              <a:t>6/22/2020</a:t>
             </a:fld>
             <a:endParaRPr lang="en-US" dirty="0"/>
           </a:p>
@@ -9994,7 +10000,7 @@
           <a:p>
             <a:fld id="{EED1C14C-A143-42F5-B247-D0E800131009}" type="datetimeFigureOut">
               <a:rPr lang="en-US" smtClean="0"/>
-              <a:t>6/19/2020</a:t>
+              <a:t>6/22/2020</a:t>
             </a:fld>
             <a:endParaRPr lang="en-US"/>
           </a:p>
@@ -10505,6 +10511,66 @@
       </p:grpSpPr>
       <p:pic>
         <p:nvPicPr>
+          <p:cNvPr id="6" name="Picture 5" descr="A picture containing pencil, truck, sitting&#10;&#10;Description automatically generated">
+            <a:extLst>
+              <a:ext uri="{FF2B5EF4-FFF2-40B4-BE49-F238E27FC236}">
+                <a16:creationId xmlns:a16="http://schemas.microsoft.com/office/drawing/2014/main" id="{F91B5AE7-C815-45EE-9461-9177F1C83516}"/>
+              </a:ext>
+            </a:extLst>
+          </p:cNvPr>
+          <p:cNvPicPr>
+            <a:picLocks noChangeAspect="1"/>
+          </p:cNvPicPr>
+          <p:nvPr/>
+        </p:nvPicPr>
+        <p:blipFill>
+          <a:blip r:embed="rId2"/>
+          <a:stretch>
+            <a:fillRect/>
+          </a:stretch>
+        </p:blipFill>
+        <p:spPr>
+          <a:xfrm>
+            <a:off x="41885" y="0"/>
+            <a:ext cx="12108230" cy="6858000"/>
+          </a:xfrm>
+          <a:prstGeom prst="rect">
+            <a:avLst/>
+          </a:prstGeom>
+        </p:spPr>
+      </p:pic>
+    </p:spTree>
+    <p:extLst>
+      <p:ext uri="{BB962C8B-B14F-4D97-AF65-F5344CB8AC3E}">
+        <p14:creationId xmlns:p14="http://schemas.microsoft.com/office/powerpoint/2010/main" val="2572025998"/>
+      </p:ext>
+    </p:extLst>
+  </p:cSld>
+  <p:clrMapOvr>
+    <a:masterClrMapping/>
+  </p:clrMapOvr>
+</p:sld>
+</file>
+
+<file path=ppt/slides/slide3.xml><?xml version="1.0" encoding="utf-8"?>
+<p:sld xmlns:a="http://schemas.openxmlformats.org/drawingml/2006/main" xmlns:r="http://schemas.openxmlformats.org/officeDocument/2006/relationships" xmlns:p="http://schemas.openxmlformats.org/presentationml/2006/main">
+  <p:cSld>
+    <p:spTree>
+      <p:nvGrpSpPr>
+        <p:cNvPr id="1" name=""/>
+        <p:cNvGrpSpPr/>
+        <p:nvPr/>
+      </p:nvGrpSpPr>
+      <p:grpSpPr>
+        <a:xfrm>
+          <a:off x="0" y="0"/>
+          <a:ext cx="0" cy="0"/>
+          <a:chOff x="0" y="0"/>
+          <a:chExt cx="0" cy="0"/>
+        </a:xfrm>
+      </p:grpSpPr>
+      <p:pic>
+        <p:nvPicPr>
           <p:cNvPr id="9" name="Picture Placeholder 8" descr="A screenshot of a social media post&#10;&#10;Description automatically generated">
             <a:extLst>
               <a:ext uri="{FF2B5EF4-FFF2-40B4-BE49-F238E27FC236}">
@@ -11391,7 +11457,7 @@
 </p:sld>
 </file>
 
-<file path=ppt/slides/slide3.xml><?xml version="1.0" encoding="utf-8"?>
+<file path=ppt/slides/slide4.xml><?xml version="1.0" encoding="utf-8"?>
 <p:sld xmlns:a="http://schemas.openxmlformats.org/drawingml/2006/main" xmlns:r="http://schemas.openxmlformats.org/officeDocument/2006/relationships" xmlns:p="http://schemas.openxmlformats.org/presentationml/2006/main">
   <p:cSld>
     <p:spTree>
@@ -11457,7 +11523,7 @@
 </p:sld>
 </file>
 
-<file path=ppt/slides/slide4.xml><?xml version="1.0" encoding="utf-8"?>
+<file path=ppt/slides/slide5.xml><?xml version="1.0" encoding="utf-8"?>
 <p:sld xmlns:a="http://schemas.openxmlformats.org/drawingml/2006/main" xmlns:r="http://schemas.openxmlformats.org/officeDocument/2006/relationships" xmlns:p="http://schemas.openxmlformats.org/presentationml/2006/main">
   <p:cSld>
     <p:spTree>
@@ -11668,172 +11734,6 @@
 </p:sld>
 </file>
 
-<file path=ppt/slides/slide5.xml><?xml version="1.0" encoding="utf-8"?>
-<p:sld xmlns:a="http://schemas.openxmlformats.org/drawingml/2006/main" xmlns:r="http://schemas.openxmlformats.org/officeDocument/2006/relationships" xmlns:p="http://schemas.openxmlformats.org/presentationml/2006/main">
-  <p:cSld>
-    <p:spTree>
-      <p:nvGrpSpPr>
-        <p:cNvPr id="1" name=""/>
-        <p:cNvGrpSpPr/>
-        <p:nvPr/>
-      </p:nvGrpSpPr>
-      <p:grpSpPr>
-        <a:xfrm>
-          <a:off x="0" y="0"/>
-          <a:ext cx="0" cy="0"/>
-          <a:chOff x="0" y="0"/>
-          <a:chExt cx="0" cy="0"/>
-        </a:xfrm>
-      </p:grpSpPr>
-      <p:sp>
-        <p:nvSpPr>
-          <p:cNvPr id="2" name="Title 1">
-            <a:extLst>
-              <a:ext uri="{FF2B5EF4-FFF2-40B4-BE49-F238E27FC236}">
-                <a16:creationId xmlns:a16="http://schemas.microsoft.com/office/drawing/2014/main" id="{2E8F5975-87ED-4A9C-B5CB-262A2E0F3906}"/>
-              </a:ext>
-            </a:extLst>
-          </p:cNvPr>
-          <p:cNvSpPr>
-            <a:spLocks noGrp="1"/>
-          </p:cNvSpPr>
-          <p:nvPr>
-            <p:ph type="title"/>
-          </p:nvPr>
-        </p:nvSpPr>
-        <p:spPr/>
-        <p:txBody>
-          <a:bodyPr/>
-          <a:lstStyle/>
-          <a:p>
-            <a:r>
-              <a:rPr lang="en-US" dirty="0"/>
-              <a:t>Sources</a:t>
-            </a:r>
-          </a:p>
-        </p:txBody>
-      </p:sp>
-      <p:sp>
-        <p:nvSpPr>
-          <p:cNvPr id="3" name="Content Placeholder 2">
-            <a:extLst>
-              <a:ext uri="{FF2B5EF4-FFF2-40B4-BE49-F238E27FC236}">
-                <a16:creationId xmlns:a16="http://schemas.microsoft.com/office/drawing/2014/main" id="{770A82F1-0CBD-4A4C-A646-09C9BC09A4FE}"/>
-              </a:ext>
-            </a:extLst>
-          </p:cNvPr>
-          <p:cNvSpPr>
-            <a:spLocks noGrp="1"/>
-          </p:cNvSpPr>
-          <p:nvPr>
-            <p:ph idx="1"/>
-          </p:nvPr>
-        </p:nvSpPr>
-        <p:spPr/>
-        <p:txBody>
-          <a:bodyPr>
-            <a:normAutofit fontScale="92500" lnSpcReduction="10000"/>
-          </a:bodyPr>
-          <a:lstStyle/>
-          <a:p>
-            <a:pPr marL="0" indent="0">
-              <a:buNone/>
-            </a:pPr>
-            <a:r>
-              <a:rPr lang="en-US" b="1" dirty="0">
-                <a:hlinkClick r:id="rId2"/>
-              </a:rPr>
-              <a:t>National School Lunch Program </a:t>
-            </a:r>
-            <a:endParaRPr lang="en-US" dirty="0"/>
-          </a:p>
-          <a:p>
-            <a:r>
-              <a:rPr lang="en-US" dirty="0"/>
-              <a:t>The National School Lunch Program (NSLP) is a federally assisted meal program operating in public and nonprofit private schools and residential child care institutions. It provides nutritionally balanced, low-cost or free lunches to children each school day. The program was established under the National School Lunch Act, signed by President Harry Truman in 1946.</a:t>
-            </a:r>
-          </a:p>
-          <a:p>
-            <a:pPr marL="0" indent="0">
-              <a:buNone/>
-            </a:pPr>
-            <a:r>
-              <a:rPr lang="en-US" b="1" dirty="0">
-                <a:hlinkClick r:id="rId3"/>
-              </a:rPr>
-              <a:t>School Breakfast Program</a:t>
-            </a:r>
-            <a:endParaRPr lang="en-US" dirty="0"/>
-          </a:p>
-          <a:p>
-            <a:r>
-              <a:rPr lang="en-US" dirty="0"/>
-              <a:t>The School Breakfast Program (SBP) provides reimbursement to states to operate nonprofit breakfast programs in schools and residential childcare institutions. The Food and Nutrition Service administers the SBP at the federal level. State education agencies administer the SBP at the state level, and local school food authorities operate the program in schools.</a:t>
-            </a:r>
-          </a:p>
-          <a:p>
-            <a:pPr marL="0" indent="0">
-              <a:buNone/>
-            </a:pPr>
-            <a:r>
-              <a:rPr lang="en-US" b="1" dirty="0">
-                <a:hlinkClick r:id="rId4"/>
-              </a:rPr>
-              <a:t>Summer Food Service Program</a:t>
-            </a:r>
-            <a:endParaRPr lang="en-US" dirty="0"/>
-          </a:p>
-          <a:p>
-            <a:r>
-              <a:rPr lang="en-US" dirty="0"/>
-              <a:t>The Summer Food Service Program (SFSP) is a federally-funded, state-administered program. SFSP reimburses program operators who serve free healthy meals and snacks to children and teens in low-income areas.</a:t>
-            </a:r>
-          </a:p>
-          <a:p>
-            <a:pPr marL="0" indent="0">
-              <a:buNone/>
-            </a:pPr>
-            <a:r>
-              <a:rPr lang="en-US" dirty="0"/>
-              <a:t> </a:t>
-            </a:r>
-            <a:r>
-              <a:rPr lang="en-US" i="1" dirty="0"/>
-              <a:t>From &lt;</a:t>
-            </a:r>
-            <a:r>
-              <a:rPr lang="en-US" i="1" dirty="0">
-                <a:hlinkClick r:id="rId5"/>
-              </a:rPr>
-              <a:t>https://www.fns.usda.gov/cn</a:t>
-            </a:r>
-            <a:r>
-              <a:rPr lang="en-US" i="1" dirty="0"/>
-              <a:t>&gt; </a:t>
-            </a:r>
-            <a:endParaRPr lang="en-US" dirty="0"/>
-          </a:p>
-          <a:p>
-            <a:endParaRPr lang="en-US" dirty="0"/>
-          </a:p>
-          <a:p>
-            <a:endParaRPr lang="en-US" dirty="0"/>
-          </a:p>
-        </p:txBody>
-      </p:sp>
-    </p:spTree>
-    <p:extLst>
-      <p:ext uri="{BB962C8B-B14F-4D97-AF65-F5344CB8AC3E}">
-        <p14:creationId xmlns:p14="http://schemas.microsoft.com/office/powerpoint/2010/main" val="3939926904"/>
-      </p:ext>
-    </p:extLst>
-  </p:cSld>
-  <p:clrMapOvr>
-    <a:masterClrMapping/>
-  </p:clrMapOvr>
-</p:sld>
-</file>
-
 <file path=ppt/slides/slide6.xml><?xml version="1.0" encoding="utf-8"?>
 <p:sld xmlns:a="http://schemas.openxmlformats.org/drawingml/2006/main" xmlns:r="http://schemas.openxmlformats.org/officeDocument/2006/relationships" xmlns:p="http://schemas.openxmlformats.org/presentationml/2006/main">
   <p:cSld>
@@ -11898,6 +11798,172 @@
         <p:spPr/>
         <p:txBody>
           <a:bodyPr>
+            <a:normAutofit fontScale="92500" lnSpcReduction="10000"/>
+          </a:bodyPr>
+          <a:lstStyle/>
+          <a:p>
+            <a:pPr marL="0" indent="0">
+              <a:buNone/>
+            </a:pPr>
+            <a:r>
+              <a:rPr lang="en-US" b="1" dirty="0">
+                <a:hlinkClick r:id="rId2"/>
+              </a:rPr>
+              <a:t>National School Lunch Program </a:t>
+            </a:r>
+            <a:endParaRPr lang="en-US" dirty="0"/>
+          </a:p>
+          <a:p>
+            <a:r>
+              <a:rPr lang="en-US" dirty="0"/>
+              <a:t>The National School Lunch Program (NSLP) is a federally assisted meal program operating in public and nonprofit private schools and residential child care institutions. It provides nutritionally balanced, low-cost or free lunches to children each school day. The program was established under the National School Lunch Act, signed by President Harry Truman in 1946.</a:t>
+            </a:r>
+          </a:p>
+          <a:p>
+            <a:pPr marL="0" indent="0">
+              <a:buNone/>
+            </a:pPr>
+            <a:r>
+              <a:rPr lang="en-US" b="1" dirty="0">
+                <a:hlinkClick r:id="rId3"/>
+              </a:rPr>
+              <a:t>School Breakfast Program</a:t>
+            </a:r>
+            <a:endParaRPr lang="en-US" dirty="0"/>
+          </a:p>
+          <a:p>
+            <a:r>
+              <a:rPr lang="en-US" dirty="0"/>
+              <a:t>The School Breakfast Program (SBP) provides reimbursement to states to operate nonprofit breakfast programs in schools and residential childcare institutions. The Food and Nutrition Service administers the SBP at the federal level. State education agencies administer the SBP at the state level, and local school food authorities operate the program in schools.</a:t>
+            </a:r>
+          </a:p>
+          <a:p>
+            <a:pPr marL="0" indent="0">
+              <a:buNone/>
+            </a:pPr>
+            <a:r>
+              <a:rPr lang="en-US" b="1" dirty="0">
+                <a:hlinkClick r:id="rId4"/>
+              </a:rPr>
+              <a:t>Summer Food Service Program</a:t>
+            </a:r>
+            <a:endParaRPr lang="en-US" dirty="0"/>
+          </a:p>
+          <a:p>
+            <a:r>
+              <a:rPr lang="en-US" dirty="0"/>
+              <a:t>The Summer Food Service Program (SFSP) is a federally-funded, state-administered program. SFSP reimburses program operators who serve free healthy meals and snacks to children and teens in low-income areas.</a:t>
+            </a:r>
+          </a:p>
+          <a:p>
+            <a:pPr marL="0" indent="0">
+              <a:buNone/>
+            </a:pPr>
+            <a:r>
+              <a:rPr lang="en-US" dirty="0"/>
+              <a:t> </a:t>
+            </a:r>
+            <a:r>
+              <a:rPr lang="en-US" i="1" dirty="0"/>
+              <a:t>From &lt;</a:t>
+            </a:r>
+            <a:r>
+              <a:rPr lang="en-US" i="1" dirty="0">
+                <a:hlinkClick r:id="rId5"/>
+              </a:rPr>
+              <a:t>https://www.fns.usda.gov/cn</a:t>
+            </a:r>
+            <a:r>
+              <a:rPr lang="en-US" i="1" dirty="0"/>
+              <a:t>&gt; </a:t>
+            </a:r>
+            <a:endParaRPr lang="en-US" dirty="0"/>
+          </a:p>
+          <a:p>
+            <a:endParaRPr lang="en-US" dirty="0"/>
+          </a:p>
+          <a:p>
+            <a:endParaRPr lang="en-US" dirty="0"/>
+          </a:p>
+        </p:txBody>
+      </p:sp>
+    </p:spTree>
+    <p:extLst>
+      <p:ext uri="{BB962C8B-B14F-4D97-AF65-F5344CB8AC3E}">
+        <p14:creationId xmlns:p14="http://schemas.microsoft.com/office/powerpoint/2010/main" val="3939926904"/>
+      </p:ext>
+    </p:extLst>
+  </p:cSld>
+  <p:clrMapOvr>
+    <a:masterClrMapping/>
+  </p:clrMapOvr>
+</p:sld>
+</file>
+
+<file path=ppt/slides/slide7.xml><?xml version="1.0" encoding="utf-8"?>
+<p:sld xmlns:a="http://schemas.openxmlformats.org/drawingml/2006/main" xmlns:r="http://schemas.openxmlformats.org/officeDocument/2006/relationships" xmlns:p="http://schemas.openxmlformats.org/presentationml/2006/main">
+  <p:cSld>
+    <p:spTree>
+      <p:nvGrpSpPr>
+        <p:cNvPr id="1" name=""/>
+        <p:cNvGrpSpPr/>
+        <p:nvPr/>
+      </p:nvGrpSpPr>
+      <p:grpSpPr>
+        <a:xfrm>
+          <a:off x="0" y="0"/>
+          <a:ext cx="0" cy="0"/>
+          <a:chOff x="0" y="0"/>
+          <a:chExt cx="0" cy="0"/>
+        </a:xfrm>
+      </p:grpSpPr>
+      <p:sp>
+        <p:nvSpPr>
+          <p:cNvPr id="2" name="Title 1">
+            <a:extLst>
+              <a:ext uri="{FF2B5EF4-FFF2-40B4-BE49-F238E27FC236}">
+                <a16:creationId xmlns:a16="http://schemas.microsoft.com/office/drawing/2014/main" id="{2E8F5975-87ED-4A9C-B5CB-262A2E0F3906}"/>
+              </a:ext>
+            </a:extLst>
+          </p:cNvPr>
+          <p:cNvSpPr>
+            <a:spLocks noGrp="1"/>
+          </p:cNvSpPr>
+          <p:nvPr>
+            <p:ph type="title"/>
+          </p:nvPr>
+        </p:nvSpPr>
+        <p:spPr/>
+        <p:txBody>
+          <a:bodyPr/>
+          <a:lstStyle/>
+          <a:p>
+            <a:r>
+              <a:rPr lang="en-US" dirty="0"/>
+              <a:t>Sources</a:t>
+            </a:r>
+          </a:p>
+        </p:txBody>
+      </p:sp>
+      <p:sp>
+        <p:nvSpPr>
+          <p:cNvPr id="3" name="Content Placeholder 2">
+            <a:extLst>
+              <a:ext uri="{FF2B5EF4-FFF2-40B4-BE49-F238E27FC236}">
+                <a16:creationId xmlns:a16="http://schemas.microsoft.com/office/drawing/2014/main" id="{770A82F1-0CBD-4A4C-A646-09C9BC09A4FE}"/>
+              </a:ext>
+            </a:extLst>
+          </p:cNvPr>
+          <p:cNvSpPr>
+            <a:spLocks noGrp="1"/>
+          </p:cNvSpPr>
+          <p:nvPr>
+            <p:ph idx="1"/>
+          </p:nvPr>
+        </p:nvSpPr>
+        <p:spPr/>
+        <p:txBody>
+          <a:bodyPr>
             <a:normAutofit lnSpcReduction="10000"/>
           </a:bodyPr>
           <a:lstStyle/>
@@ -11979,7 +12045,7 @@
 </p:sld>
 </file>
 
-<file path=ppt/slides/slide7.xml><?xml version="1.0" encoding="utf-8"?>
+<file path=ppt/slides/slide8.xml><?xml version="1.0" encoding="utf-8"?>
 <p:sld xmlns:a="http://schemas.openxmlformats.org/drawingml/2006/main" xmlns:r="http://schemas.openxmlformats.org/officeDocument/2006/relationships" xmlns:p="http://schemas.openxmlformats.org/presentationml/2006/main">
   <p:cSld>
     <p:spTree>
